--- a/Documents/SmartBin/SmartBin_Abschlusspräsentation_Charly.pptx
+++ b/Documents/SmartBin/SmartBin_Abschlusspräsentation_Charly.pptx
@@ -255,7 +255,7 @@
           <a:p>
             <a:fld id="{C11CE3D0-0E40-43ED-BFF0-EC499C8A1FD0}" type="datetimeFigureOut">
               <a:rPr lang="de-DE" smtClean="0"/>
-              <a:t>29.06.2019</a:t>
+              <a:t>30.06.2019</a:t>
             </a:fld>
             <a:endParaRPr lang="de-DE"/>
           </a:p>
@@ -425,7 +425,7 @@
           <a:p>
             <a:fld id="{C11CE3D0-0E40-43ED-BFF0-EC499C8A1FD0}" type="datetimeFigureOut">
               <a:rPr lang="de-DE" smtClean="0"/>
-              <a:t>29.06.2019</a:t>
+              <a:t>30.06.2019</a:t>
             </a:fld>
             <a:endParaRPr lang="de-DE"/>
           </a:p>
@@ -605,7 +605,7 @@
           <a:p>
             <a:fld id="{C11CE3D0-0E40-43ED-BFF0-EC499C8A1FD0}" type="datetimeFigureOut">
               <a:rPr lang="de-DE" smtClean="0"/>
-              <a:t>29.06.2019</a:t>
+              <a:t>30.06.2019</a:t>
             </a:fld>
             <a:endParaRPr lang="de-DE"/>
           </a:p>
@@ -775,7 +775,7 @@
           <a:p>
             <a:fld id="{C11CE3D0-0E40-43ED-BFF0-EC499C8A1FD0}" type="datetimeFigureOut">
               <a:rPr lang="de-DE" smtClean="0"/>
-              <a:t>29.06.2019</a:t>
+              <a:t>30.06.2019</a:t>
             </a:fld>
             <a:endParaRPr lang="de-DE"/>
           </a:p>
@@ -1019,7 +1019,7 @@
           <a:p>
             <a:fld id="{C11CE3D0-0E40-43ED-BFF0-EC499C8A1FD0}" type="datetimeFigureOut">
               <a:rPr lang="de-DE" smtClean="0"/>
-              <a:t>29.06.2019</a:t>
+              <a:t>30.06.2019</a:t>
             </a:fld>
             <a:endParaRPr lang="de-DE"/>
           </a:p>
@@ -1251,7 +1251,7 @@
           <a:p>
             <a:fld id="{C11CE3D0-0E40-43ED-BFF0-EC499C8A1FD0}" type="datetimeFigureOut">
               <a:rPr lang="de-DE" smtClean="0"/>
-              <a:t>29.06.2019</a:t>
+              <a:t>30.06.2019</a:t>
             </a:fld>
             <a:endParaRPr lang="de-DE"/>
           </a:p>
@@ -1618,7 +1618,7 @@
           <a:p>
             <a:fld id="{C11CE3D0-0E40-43ED-BFF0-EC499C8A1FD0}" type="datetimeFigureOut">
               <a:rPr lang="de-DE" smtClean="0"/>
-              <a:t>29.06.2019</a:t>
+              <a:t>30.06.2019</a:t>
             </a:fld>
             <a:endParaRPr lang="de-DE"/>
           </a:p>
@@ -1736,7 +1736,7 @@
           <a:p>
             <a:fld id="{C11CE3D0-0E40-43ED-BFF0-EC499C8A1FD0}" type="datetimeFigureOut">
               <a:rPr lang="de-DE" smtClean="0"/>
-              <a:t>29.06.2019</a:t>
+              <a:t>30.06.2019</a:t>
             </a:fld>
             <a:endParaRPr lang="de-DE"/>
           </a:p>
@@ -1831,7 +1831,7 @@
           <a:p>
             <a:fld id="{C11CE3D0-0E40-43ED-BFF0-EC499C8A1FD0}" type="datetimeFigureOut">
               <a:rPr lang="de-DE" smtClean="0"/>
-              <a:t>29.06.2019</a:t>
+              <a:t>30.06.2019</a:t>
             </a:fld>
             <a:endParaRPr lang="de-DE"/>
           </a:p>
@@ -2108,7 +2108,7 @@
           <a:p>
             <a:fld id="{C11CE3D0-0E40-43ED-BFF0-EC499C8A1FD0}" type="datetimeFigureOut">
               <a:rPr lang="de-DE" smtClean="0"/>
-              <a:t>29.06.2019</a:t>
+              <a:t>30.06.2019</a:t>
             </a:fld>
             <a:endParaRPr lang="de-DE"/>
           </a:p>
@@ -2365,7 +2365,7 @@
           <a:p>
             <a:fld id="{C11CE3D0-0E40-43ED-BFF0-EC499C8A1FD0}" type="datetimeFigureOut">
               <a:rPr lang="de-DE" smtClean="0"/>
-              <a:t>29.06.2019</a:t>
+              <a:t>30.06.2019</a:t>
             </a:fld>
             <a:endParaRPr lang="de-DE"/>
           </a:p>
@@ -2578,7 +2578,7 @@
           <a:p>
             <a:fld id="{C11CE3D0-0E40-43ED-BFF0-EC499C8A1FD0}" type="datetimeFigureOut">
               <a:rPr lang="de-DE" smtClean="0"/>
-              <a:t>29.06.2019</a:t>
+              <a:t>30.06.2019</a:t>
             </a:fld>
             <a:endParaRPr lang="de-DE"/>
           </a:p>
@@ -5148,11 +5148,11 @@
           <a:p>
             <a:r>
               <a:rPr lang="de-DE" sz="2400" dirty="0"/>
-              <a:t>FWPM „Internet </a:t>
-            </a:r>
-            <a:r>
-              <a:rPr lang="de-DE" sz="2400" dirty="0" err="1"/>
-              <a:t>of</a:t>
+              <a:t>FWPM „Internet o</a:t>
+            </a:r>
+            <a:r>
+              <a:rPr lang="de-DE" sz="2400"/>
+              <a:t>f</a:t>
             </a:r>
             <a:r>
               <a:rPr lang="de-DE" sz="2400" dirty="0"/>
@@ -5160,7 +5160,7 @@
             </a:r>
             <a:r>
               <a:rPr lang="de-DE" sz="2400" dirty="0" err="1"/>
-              <a:t>Memertas</a:t>
+              <a:t>Mermertas</a:t>
             </a:r>
             <a:r>
               <a:rPr lang="de-DE" sz="2400" dirty="0"/>
